--- a/Slide_DoAn.pptx
+++ b/Slide_DoAn.pptx
@@ -6245,7 +6245,7 @@
             <a:avLst/>
           </a:prstGeom>
           <a:solidFill>
-            <a:srgbClr val="FF9B57"/>
+            <a:srgbClr val="FF8F43"/>
           </a:solidFill>
           <a:ln>
             <a:noFill/>
